--- a/thumbs/logo.pptx
+++ b/thumbs/logo.pptx
@@ -7,6 +7,7 @@
   <p:sldIdLst>
     <p:sldId id="256" r:id="rId5"/>
     <p:sldId id="257" r:id="rId6"/>
+    <p:sldId id="258" r:id="rId7"/>
   </p:sldIdLst>
   <p:sldSz cx="5400675" cy="4319588"/>
   <p:notesSz cx="6858000" cy="9144000"/>
@@ -4174,6 +4175,247 @@
 </p:sld>
 </file>
 
+<file path=ppt/slides/slide3.xml><?xml version="1.0" encoding="utf-8"?>
+<p:sld xmlns:a="http://schemas.openxmlformats.org/drawingml/2006/main" xmlns:r="http://schemas.openxmlformats.org/officeDocument/2006/relationships" xmlns:p="http://schemas.openxmlformats.org/presentationml/2006/main">
+  <p:cSld>
+    <p:bg>
+      <p:bgPr>
+        <a:solidFill>
+          <a:schemeClr val="tx1"/>
+        </a:solidFill>
+        <a:effectLst/>
+      </p:bgPr>
+    </p:bg>
+    <p:spTree>
+      <p:nvGrpSpPr>
+        <p:cNvPr id="1" name=""/>
+        <p:cNvGrpSpPr/>
+        <p:nvPr/>
+      </p:nvGrpSpPr>
+      <p:grpSpPr>
+        <a:xfrm>
+          <a:off x="0" y="0"/>
+          <a:ext cx="0" cy="0"/>
+          <a:chOff x="0" y="0"/>
+          <a:chExt cx="0" cy="0"/>
+        </a:xfrm>
+      </p:grpSpPr>
+      <p:grpSp>
+        <p:nvGrpSpPr>
+          <p:cNvPr id="10" name="Group 9">
+            <a:extLst>
+              <a:ext uri="{FF2B5EF4-FFF2-40B4-BE49-F238E27FC236}">
+                <a16:creationId xmlns:a16="http://schemas.microsoft.com/office/drawing/2014/main" id="{AA943087-BE9B-8894-3E66-1CE5BD175A29}"/>
+              </a:ext>
+            </a:extLst>
+          </p:cNvPr>
+          <p:cNvGrpSpPr>
+            <a:grpSpLocks noChangeAspect="1"/>
+          </p:cNvGrpSpPr>
+          <p:nvPr/>
+        </p:nvGrpSpPr>
+        <p:grpSpPr>
+          <a:xfrm>
+            <a:off x="855051" y="779046"/>
+            <a:ext cx="3690571" cy="2761495"/>
+            <a:chOff x="5693136" y="794991"/>
+            <a:chExt cx="1729962" cy="1253506"/>
+          </a:xfrm>
+        </p:grpSpPr>
+        <p:grpSp>
+          <p:nvGrpSpPr>
+            <p:cNvPr id="11" name="Group 10">
+              <a:extLst>
+                <a:ext uri="{FF2B5EF4-FFF2-40B4-BE49-F238E27FC236}">
+                  <a16:creationId xmlns:a16="http://schemas.microsoft.com/office/drawing/2014/main" id="{BCAEEEA7-2E0A-2186-0F0D-3142EDE46E9A}"/>
+                </a:ext>
+              </a:extLst>
+            </p:cNvPr>
+            <p:cNvGrpSpPr/>
+            <p:nvPr/>
+          </p:nvGrpSpPr>
+          <p:grpSpPr>
+            <a:xfrm>
+              <a:off x="5768454" y="794991"/>
+              <a:ext cx="1522608" cy="793829"/>
+              <a:chOff x="5766428" y="1390958"/>
+              <a:chExt cx="1783222" cy="928480"/>
+            </a:xfrm>
+          </p:grpSpPr>
+          <p:pic>
+            <p:nvPicPr>
+              <p:cNvPr id="13" name="Graphic 12" descr="Network with solid fill">
+                <a:extLst>
+                  <a:ext uri="{FF2B5EF4-FFF2-40B4-BE49-F238E27FC236}">
+                    <a16:creationId xmlns:a16="http://schemas.microsoft.com/office/drawing/2014/main" id="{D6280F33-01E1-4590-8FE4-A28C994BCE02}"/>
+                  </a:ext>
+                </a:extLst>
+              </p:cNvPr>
+              <p:cNvPicPr>
+                <a:picLocks noChangeAspect="1"/>
+              </p:cNvPicPr>
+              <p:nvPr/>
+            </p:nvPicPr>
+            <p:blipFill>
+              <a:blip r:embed="rId2">
+                <a:extLst>
+                  <a:ext uri="{28A0092B-C50C-407E-A947-70E740481C1C}">
+                    <a14:useLocalDpi xmlns:a14="http://schemas.microsoft.com/office/drawing/2010/main" val="0"/>
+                  </a:ext>
+                  <a:ext uri="{96DAC541-7B7A-43D3-8B79-37D633B846F1}">
+                    <asvg:svgBlip xmlns:asvg="http://schemas.microsoft.com/office/drawing/2016/SVG/main" r:embed="rId3"/>
+                  </a:ext>
+                </a:extLst>
+              </a:blip>
+              <a:stretch>
+                <a:fillRect/>
+              </a:stretch>
+            </p:blipFill>
+            <p:spPr>
+              <a:xfrm rot="20345197">
+                <a:off x="6807586" y="1469550"/>
+                <a:ext cx="742064" cy="742064"/>
+              </a:xfrm>
+              <a:prstGeom prst="rect">
+                <a:avLst/>
+              </a:prstGeom>
+            </p:spPr>
+          </p:pic>
+          <p:pic>
+            <p:nvPicPr>
+              <p:cNvPr id="14" name="Graphic 13" descr="Database with solid fill">
+                <a:extLst>
+                  <a:ext uri="{FF2B5EF4-FFF2-40B4-BE49-F238E27FC236}">
+                    <a16:creationId xmlns:a16="http://schemas.microsoft.com/office/drawing/2014/main" id="{5FB5C1FB-6F28-ABD8-A5C3-79A1912BAE81}"/>
+                  </a:ext>
+                </a:extLst>
+              </p:cNvPr>
+              <p:cNvPicPr>
+                <a:picLocks noChangeAspect="1"/>
+              </p:cNvPicPr>
+              <p:nvPr/>
+            </p:nvPicPr>
+            <p:blipFill>
+              <a:blip r:embed="rId4">
+                <a:extLst>
+                  <a:ext uri="{28A0092B-C50C-407E-A947-70E740481C1C}">
+                    <a14:useLocalDpi xmlns:a14="http://schemas.microsoft.com/office/drawing/2010/main" val="0"/>
+                  </a:ext>
+                  <a:ext uri="{96DAC541-7B7A-43D3-8B79-37D633B846F1}">
+                    <asvg:svgBlip xmlns:asvg="http://schemas.microsoft.com/office/drawing/2016/SVG/main" r:embed="rId5"/>
+                  </a:ext>
+                </a:extLst>
+              </a:blip>
+              <a:stretch>
+                <a:fillRect/>
+              </a:stretch>
+            </p:blipFill>
+            <p:spPr>
+              <a:xfrm>
+                <a:off x="5766428" y="1405038"/>
+                <a:ext cx="914400" cy="914400"/>
+              </a:xfrm>
+              <a:prstGeom prst="rect">
+                <a:avLst/>
+              </a:prstGeom>
+            </p:spPr>
+          </p:pic>
+          <p:pic>
+            <p:nvPicPr>
+              <p:cNvPr id="15" name="Graphic 14" descr="Gears with solid fill">
+                <a:extLst>
+                  <a:ext uri="{FF2B5EF4-FFF2-40B4-BE49-F238E27FC236}">
+                    <a16:creationId xmlns:a16="http://schemas.microsoft.com/office/drawing/2014/main" id="{1CE38F15-2FCC-BED7-4F05-542793E96C92}"/>
+                  </a:ext>
+                </a:extLst>
+              </p:cNvPr>
+              <p:cNvPicPr>
+                <a:picLocks noChangeAspect="1"/>
+              </p:cNvPicPr>
+              <p:nvPr/>
+            </p:nvPicPr>
+            <p:blipFill>
+              <a:blip r:embed="rId6">
+                <a:extLst>
+                  <a:ext uri="{28A0092B-C50C-407E-A947-70E740481C1C}">
+                    <a14:useLocalDpi xmlns:a14="http://schemas.microsoft.com/office/drawing/2010/main" val="0"/>
+                  </a:ext>
+                  <a:ext uri="{96DAC541-7B7A-43D3-8B79-37D633B846F1}">
+                    <asvg:svgBlip xmlns:asvg="http://schemas.microsoft.com/office/drawing/2016/SVG/main" r:embed="rId7"/>
+                  </a:ext>
+                </a:extLst>
+              </a:blip>
+              <a:stretch>
+                <a:fillRect/>
+              </a:stretch>
+            </p:blipFill>
+            <p:spPr>
+              <a:xfrm rot="19870603">
+                <a:off x="6285143" y="1390958"/>
+                <a:ext cx="907185" cy="907186"/>
+              </a:xfrm>
+              <a:prstGeom prst="rect">
+                <a:avLst/>
+              </a:prstGeom>
+            </p:spPr>
+          </p:pic>
+        </p:grpSp>
+        <p:sp>
+          <p:nvSpPr>
+            <p:cNvPr id="12" name="TextBox 11">
+              <a:extLst>
+                <a:ext uri="{FF2B5EF4-FFF2-40B4-BE49-F238E27FC236}">
+                  <a16:creationId xmlns:a16="http://schemas.microsoft.com/office/drawing/2014/main" id="{8BE73184-03D2-8A92-5F89-FF9A6B108CC3}"/>
+                </a:ext>
+              </a:extLst>
+            </p:cNvPr>
+            <p:cNvSpPr txBox="1"/>
+            <p:nvPr/>
+          </p:nvSpPr>
+          <p:spPr>
+            <a:xfrm>
+              <a:off x="5693136" y="1503640"/>
+              <a:ext cx="1729962" cy="544857"/>
+            </a:xfrm>
+            <a:prstGeom prst="rect">
+              <a:avLst/>
+            </a:prstGeom>
+            <a:noFill/>
+          </p:spPr>
+          <p:txBody>
+            <a:bodyPr wrap="square" rtlCol="0">
+              <a:spAutoFit/>
+            </a:bodyPr>
+            <a:lstStyle/>
+            <a:p>
+              <a:pPr algn="ctr"/>
+              <a:r>
+                <a:rPr lang="en-AU" sz="7200" dirty="0">
+                  <a:solidFill>
+                    <a:schemeClr val="bg1"/>
+                  </a:solidFill>
+                  <a:latin typeface="Jokerman" panose="020F0502020204030204" pitchFamily="34" charset="0"/>
+                  <a:cs typeface="Jokerman" panose="020F0502020204030204" pitchFamily="34" charset="0"/>
+                </a:rPr>
+                <a:t>MLDS</a:t>
+              </a:r>
+            </a:p>
+          </p:txBody>
+        </p:sp>
+      </p:grpSp>
+    </p:spTree>
+    <p:extLst>
+      <p:ext uri="{BB962C8B-B14F-4D97-AF65-F5344CB8AC3E}">
+        <p14:creationId xmlns:p14="http://schemas.microsoft.com/office/powerpoint/2010/main" val="3085039931"/>
+      </p:ext>
+    </p:extLst>
+  </p:cSld>
+  <p:clrMapOvr>
+    <a:masterClrMapping/>
+  </p:clrMapOvr>
+</p:sld>
+</file>
+
 <file path=ppt/theme/theme1.xml><?xml version="1.0" encoding="utf-8"?>
 <a:theme xmlns:a="http://schemas.openxmlformats.org/drawingml/2006/main" name="Office Theme">
   <a:themeElements>
@@ -4436,6 +4678,24 @@
 </file>
 
 <file path=customXml/item1.xml><?xml version="1.0" encoding="utf-8"?>
+<p:properties xmlns:p="http://schemas.microsoft.com/office/2006/metadata/properties" xmlns:xsi="http://www.w3.org/2001/XMLSchema-instance" xmlns:pc="http://schemas.microsoft.com/office/infopath/2007/PartnerControls">
+  <documentManagement>
+    <_ip_UnifiedCompliancePolicyUIAction xmlns="http://schemas.microsoft.com/sharepoint/v3" xsi:nil="true"/>
+    <_ip_UnifiedCompliancePolicyProperties xmlns="http://schemas.microsoft.com/sharepoint/v3" xsi:nil="true"/>
+  </documentManagement>
+</p:properties>
+</file>
+
+<file path=customXml/item2.xml><?xml version="1.0" encoding="utf-8"?>
+<?mso-contentType ?>
+<FormTemplates xmlns="http://schemas.microsoft.com/sharepoint/v3/contenttype/forms">
+  <Display>DocumentLibraryForm</Display>
+  <Edit>DocumentLibraryForm</Edit>
+  <New>DocumentLibraryForm</New>
+</FormTemplates>
+</file>
+
+<file path=customXml/item3.xml><?xml version="1.0" encoding="utf-8"?>
 <ct:contentTypeSchema xmlns:ct="http://schemas.microsoft.com/office/2006/metadata/contentType" xmlns:ma="http://schemas.microsoft.com/office/2006/metadata/properties/metaAttributes" ct:_="" ma:_="" ma:contentTypeName="Document" ma:contentTypeID="0x010100C710D5EE9D4937499D77E0677A176012" ma:contentTypeVersion="15" ma:contentTypeDescription="Create a new document." ma:contentTypeScope="" ma:versionID="a82d1c3b85b0017628f1d3364c58e3e9">
   <xsd:schema xmlns:xsd="http://www.w3.org/2001/XMLSchema" xmlns:xs="http://www.w3.org/2001/XMLSchema" xmlns:p="http://schemas.microsoft.com/office/2006/metadata/properties" xmlns:ns1="http://schemas.microsoft.com/sharepoint/v3" xmlns:ns3="ed738e74-2c2f-4ca9-8a81-279ca9fe211f" xmlns:ns4="1c0f6ec8-bb26-451e-97d1-41f62a98d49c" targetNamespace="http://schemas.microsoft.com/office/2006/metadata/properties" ma:root="true" ma:fieldsID="e13401b27a48e1eb394472a79e2d5902" ns1:_="" ns3:_="" ns4:_="">
     <xsd:import namespace="http://schemas.microsoft.com/sharepoint/v3"/>
@@ -4675,25 +4935,33 @@
 </ct:contentTypeSchema>
 </file>
 
-<file path=customXml/item2.xml><?xml version="1.0" encoding="utf-8"?>
-<?mso-contentType ?>
-<FormTemplates xmlns="http://schemas.microsoft.com/sharepoint/v3/contenttype/forms">
-  <Display>DocumentLibraryForm</Display>
-  <Edit>DocumentLibraryForm</Edit>
-  <New>DocumentLibraryForm</New>
-</FormTemplates>
+<file path=customXml/itemProps1.xml><?xml version="1.0" encoding="utf-8"?>
+<ds:datastoreItem xmlns:ds="http://schemas.openxmlformats.org/officeDocument/2006/customXml" ds:itemID="{FA4D7A67-9635-4070-B19F-FBA5154D856F}">
+  <ds:schemaRefs>
+    <ds:schemaRef ds:uri="http://www.w3.org/XML/1998/namespace"/>
+    <ds:schemaRef ds:uri="http://schemas.microsoft.com/office/2006/documentManagement/types"/>
+    <ds:schemaRef ds:uri="http://schemas.microsoft.com/office/2006/metadata/properties"/>
+    <ds:schemaRef ds:uri="ed738e74-2c2f-4ca9-8a81-279ca9fe211f"/>
+    <ds:schemaRef ds:uri="http://purl.org/dc/dcmitype/"/>
+    <ds:schemaRef ds:uri="http://purl.org/dc/terms/"/>
+    <ds:schemaRef ds:uri="http://schemas.microsoft.com/office/infopath/2007/PartnerControls"/>
+    <ds:schemaRef ds:uri="http://schemas.openxmlformats.org/package/2006/metadata/core-properties"/>
+    <ds:schemaRef ds:uri="1c0f6ec8-bb26-451e-97d1-41f62a98d49c"/>
+    <ds:schemaRef ds:uri="http://schemas.microsoft.com/sharepoint/v3"/>
+    <ds:schemaRef ds:uri="http://purl.org/dc/elements/1.1/"/>
+  </ds:schemaRefs>
+</ds:datastoreItem>
 </file>
 
-<file path=customXml/item3.xml><?xml version="1.0" encoding="utf-8"?>
-<p:properties xmlns:p="http://schemas.microsoft.com/office/2006/metadata/properties" xmlns:xsi="http://www.w3.org/2001/XMLSchema-instance" xmlns:pc="http://schemas.microsoft.com/office/infopath/2007/PartnerControls">
-  <documentManagement>
-    <_ip_UnifiedCompliancePolicyUIAction xmlns="http://schemas.microsoft.com/sharepoint/v3" xsi:nil="true"/>
-    <_ip_UnifiedCompliancePolicyProperties xmlns="http://schemas.microsoft.com/sharepoint/v3" xsi:nil="true"/>
-  </documentManagement>
-</p:properties>
+<file path=customXml/itemProps2.xml><?xml version="1.0" encoding="utf-8"?>
+<ds:datastoreItem xmlns:ds="http://schemas.openxmlformats.org/officeDocument/2006/customXml" ds:itemID="{B51DE951-D55E-4A58-B050-38F3BA9E3608}">
+  <ds:schemaRefs>
+    <ds:schemaRef ds:uri="http://schemas.microsoft.com/sharepoint/v3/contenttype/forms"/>
+  </ds:schemaRefs>
+</ds:datastoreItem>
 </file>
 
-<file path=customXml/itemProps1.xml><?xml version="1.0" encoding="utf-8"?>
+<file path=customXml/itemProps3.xml><?xml version="1.0" encoding="utf-8"?>
 <ds:datastoreItem xmlns:ds="http://schemas.openxmlformats.org/officeDocument/2006/customXml" ds:itemID="{FAF2508A-3CB9-4351-B672-F868FD136865}">
   <ds:schemaRefs>
     <ds:schemaRef ds:uri="http://schemas.microsoft.com/office/2006/metadata/contentType"/>
@@ -4711,30 +4979,4 @@
     <ds:schemaRef ds:uri="http://schemas.microsoft.com/internal/obd"/>
   </ds:schemaRefs>
 </ds:datastoreItem>
-</file>
-
-<file path=customXml/itemProps2.xml><?xml version="1.0" encoding="utf-8"?>
-<ds:datastoreItem xmlns:ds="http://schemas.openxmlformats.org/officeDocument/2006/customXml" ds:itemID="{B51DE951-D55E-4A58-B050-38F3BA9E3608}">
-  <ds:schemaRefs>
-    <ds:schemaRef ds:uri="http://schemas.microsoft.com/sharepoint/v3/contenttype/forms"/>
-  </ds:schemaRefs>
-</ds:datastoreItem>
-</file>
-
-<file path=customXml/itemProps3.xml><?xml version="1.0" encoding="utf-8"?>
-<ds:datastoreItem xmlns:ds="http://schemas.openxmlformats.org/officeDocument/2006/customXml" ds:itemID="{FA4D7A67-9635-4070-B19F-FBA5154D856F}">
-  <ds:schemaRefs>
-    <ds:schemaRef ds:uri="http://www.w3.org/XML/1998/namespace"/>
-    <ds:schemaRef ds:uri="http://schemas.microsoft.com/office/2006/documentManagement/types"/>
-    <ds:schemaRef ds:uri="http://schemas.microsoft.com/office/2006/metadata/properties"/>
-    <ds:schemaRef ds:uri="ed738e74-2c2f-4ca9-8a81-279ca9fe211f"/>
-    <ds:schemaRef ds:uri="http://purl.org/dc/dcmitype/"/>
-    <ds:schemaRef ds:uri="http://purl.org/dc/terms/"/>
-    <ds:schemaRef ds:uri="http://schemas.microsoft.com/office/infopath/2007/PartnerControls"/>
-    <ds:schemaRef ds:uri="http://schemas.openxmlformats.org/package/2006/metadata/core-properties"/>
-    <ds:schemaRef ds:uri="1c0f6ec8-bb26-451e-97d1-41f62a98d49c"/>
-    <ds:schemaRef ds:uri="http://schemas.microsoft.com/sharepoint/v3"/>
-    <ds:schemaRef ds:uri="http://purl.org/dc/elements/1.1/"/>
-  </ds:schemaRefs>
-</ds:datastoreItem>
 </file>
--- a/thumbs/logo.pptx
+++ b/thumbs/logo.pptx
@@ -7,7 +7,8 @@
   <p:sldIdLst>
     <p:sldId id="256" r:id="rId5"/>
     <p:sldId id="257" r:id="rId6"/>
-    <p:sldId id="258" r:id="rId7"/>
+    <p:sldId id="259" r:id="rId7"/>
+    <p:sldId id="258" r:id="rId8"/>
   </p:sldIdLst>
   <p:sldSz cx="5400675" cy="4319588"/>
   <p:notesSz cx="6858000" cy="9144000"/>
@@ -245,7 +246,7 @@
           <a:p>
             <a:fld id="{00EB4F09-ABAC-4ED6-A7DD-9F6F365C19BA}" type="datetimeFigureOut">
               <a:rPr lang="en-AU" smtClean="0"/>
-              <a:t>2/9/2022</a:t>
+              <a:t>16/1/2023</a:t>
             </a:fld>
             <a:endParaRPr lang="en-AU"/>
           </a:p>
@@ -415,7 +416,7 @@
           <a:p>
             <a:fld id="{00EB4F09-ABAC-4ED6-A7DD-9F6F365C19BA}" type="datetimeFigureOut">
               <a:rPr lang="en-AU" smtClean="0"/>
-              <a:t>2/9/2022</a:t>
+              <a:t>16/1/2023</a:t>
             </a:fld>
             <a:endParaRPr lang="en-AU"/>
           </a:p>
@@ -595,7 +596,7 @@
           <a:p>
             <a:fld id="{00EB4F09-ABAC-4ED6-A7DD-9F6F365C19BA}" type="datetimeFigureOut">
               <a:rPr lang="en-AU" smtClean="0"/>
-              <a:t>2/9/2022</a:t>
+              <a:t>16/1/2023</a:t>
             </a:fld>
             <a:endParaRPr lang="en-AU"/>
           </a:p>
@@ -765,7 +766,7 @@
           <a:p>
             <a:fld id="{00EB4F09-ABAC-4ED6-A7DD-9F6F365C19BA}" type="datetimeFigureOut">
               <a:rPr lang="en-AU" smtClean="0"/>
-              <a:t>2/9/2022</a:t>
+              <a:t>16/1/2023</a:t>
             </a:fld>
             <a:endParaRPr lang="en-AU"/>
           </a:p>
@@ -1009,7 +1010,7 @@
           <a:p>
             <a:fld id="{00EB4F09-ABAC-4ED6-A7DD-9F6F365C19BA}" type="datetimeFigureOut">
               <a:rPr lang="en-AU" smtClean="0"/>
-              <a:t>2/9/2022</a:t>
+              <a:t>16/1/2023</a:t>
             </a:fld>
             <a:endParaRPr lang="en-AU"/>
           </a:p>
@@ -1241,7 +1242,7 @@
           <a:p>
             <a:fld id="{00EB4F09-ABAC-4ED6-A7DD-9F6F365C19BA}" type="datetimeFigureOut">
               <a:rPr lang="en-AU" smtClean="0"/>
-              <a:t>2/9/2022</a:t>
+              <a:t>16/1/2023</a:t>
             </a:fld>
             <a:endParaRPr lang="en-AU"/>
           </a:p>
@@ -1608,7 +1609,7 @@
           <a:p>
             <a:fld id="{00EB4F09-ABAC-4ED6-A7DD-9F6F365C19BA}" type="datetimeFigureOut">
               <a:rPr lang="en-AU" smtClean="0"/>
-              <a:t>2/9/2022</a:t>
+              <a:t>16/1/2023</a:t>
             </a:fld>
             <a:endParaRPr lang="en-AU"/>
           </a:p>
@@ -1726,7 +1727,7 @@
           <a:p>
             <a:fld id="{00EB4F09-ABAC-4ED6-A7DD-9F6F365C19BA}" type="datetimeFigureOut">
               <a:rPr lang="en-AU" smtClean="0"/>
-              <a:t>2/9/2022</a:t>
+              <a:t>16/1/2023</a:t>
             </a:fld>
             <a:endParaRPr lang="en-AU"/>
           </a:p>
@@ -1821,7 +1822,7 @@
           <a:p>
             <a:fld id="{00EB4F09-ABAC-4ED6-A7DD-9F6F365C19BA}" type="datetimeFigureOut">
               <a:rPr lang="en-AU" smtClean="0"/>
-              <a:t>2/9/2022</a:t>
+              <a:t>16/1/2023</a:t>
             </a:fld>
             <a:endParaRPr lang="en-AU"/>
           </a:p>
@@ -2098,7 +2099,7 @@
           <a:p>
             <a:fld id="{00EB4F09-ABAC-4ED6-A7DD-9F6F365C19BA}" type="datetimeFigureOut">
               <a:rPr lang="en-AU" smtClean="0"/>
-              <a:t>2/9/2022</a:t>
+              <a:t>16/1/2023</a:t>
             </a:fld>
             <a:endParaRPr lang="en-AU"/>
           </a:p>
@@ -2355,7 +2356,7 @@
           <a:p>
             <a:fld id="{00EB4F09-ABAC-4ED6-A7DD-9F6F365C19BA}" type="datetimeFigureOut">
               <a:rPr lang="en-AU" smtClean="0"/>
-              <a:t>2/9/2022</a:t>
+              <a:t>16/1/2023</a:t>
             </a:fld>
             <a:endParaRPr lang="en-AU"/>
           </a:p>
@@ -2568,7 +2569,7 @@
           <a:p>
             <a:fld id="{00EB4F09-ABAC-4ED6-A7DD-9F6F365C19BA}" type="datetimeFigureOut">
               <a:rPr lang="en-AU" smtClean="0"/>
-              <a:t>2/9/2022</a:t>
+              <a:t>16/1/2023</a:t>
             </a:fld>
             <a:endParaRPr lang="en-AU"/>
           </a:p>
@@ -4181,6 +4182,242 @@
     <p:bg>
       <p:bgPr>
         <a:solidFill>
+          <a:schemeClr val="bg1"/>
+        </a:solidFill>
+        <a:effectLst/>
+      </p:bgPr>
+    </p:bg>
+    <p:spTree>
+      <p:nvGrpSpPr>
+        <p:cNvPr id="1" name=""/>
+        <p:cNvGrpSpPr/>
+        <p:nvPr/>
+      </p:nvGrpSpPr>
+      <p:grpSpPr>
+        <a:xfrm>
+          <a:off x="0" y="0"/>
+          <a:ext cx="0" cy="0"/>
+          <a:chOff x="0" y="0"/>
+          <a:chExt cx="0" cy="0"/>
+        </a:xfrm>
+      </p:grpSpPr>
+      <p:grpSp>
+        <p:nvGrpSpPr>
+          <p:cNvPr id="10" name="Group 9">
+            <a:extLst>
+              <a:ext uri="{FF2B5EF4-FFF2-40B4-BE49-F238E27FC236}">
+                <a16:creationId xmlns:a16="http://schemas.microsoft.com/office/drawing/2014/main" id="{AA943087-BE9B-8894-3E66-1CE5BD175A29}"/>
+              </a:ext>
+            </a:extLst>
+          </p:cNvPr>
+          <p:cNvGrpSpPr/>
+          <p:nvPr/>
+        </p:nvGrpSpPr>
+        <p:grpSpPr>
+          <a:xfrm>
+            <a:off x="-50497" y="37053"/>
+            <a:ext cx="5659286" cy="4609951"/>
+            <a:chOff x="5693136" y="794991"/>
+            <a:chExt cx="1729962" cy="1364616"/>
+          </a:xfrm>
+        </p:grpSpPr>
+        <p:grpSp>
+          <p:nvGrpSpPr>
+            <p:cNvPr id="11" name="Group 10">
+              <a:extLst>
+                <a:ext uri="{FF2B5EF4-FFF2-40B4-BE49-F238E27FC236}">
+                  <a16:creationId xmlns:a16="http://schemas.microsoft.com/office/drawing/2014/main" id="{BCAEEEA7-2E0A-2186-0F0D-3142EDE46E9A}"/>
+                </a:ext>
+              </a:extLst>
+            </p:cNvPr>
+            <p:cNvGrpSpPr/>
+            <p:nvPr/>
+          </p:nvGrpSpPr>
+          <p:grpSpPr>
+            <a:xfrm>
+              <a:off x="5768454" y="794991"/>
+              <a:ext cx="1522608" cy="793829"/>
+              <a:chOff x="5766428" y="1390958"/>
+              <a:chExt cx="1783222" cy="928480"/>
+            </a:xfrm>
+          </p:grpSpPr>
+          <p:pic>
+            <p:nvPicPr>
+              <p:cNvPr id="13" name="Graphic 12" descr="Network with solid fill">
+                <a:extLst>
+                  <a:ext uri="{FF2B5EF4-FFF2-40B4-BE49-F238E27FC236}">
+                    <a16:creationId xmlns:a16="http://schemas.microsoft.com/office/drawing/2014/main" id="{D6280F33-01E1-4590-8FE4-A28C994BCE02}"/>
+                  </a:ext>
+                </a:extLst>
+              </p:cNvPr>
+              <p:cNvPicPr>
+                <a:picLocks noChangeAspect="1"/>
+              </p:cNvPicPr>
+              <p:nvPr/>
+            </p:nvPicPr>
+            <p:blipFill>
+              <a:blip r:embed="rId2">
+                <a:extLst>
+                  <a:ext uri="{28A0092B-C50C-407E-A947-70E740481C1C}">
+                    <a14:useLocalDpi xmlns:a14="http://schemas.microsoft.com/office/drawing/2010/main" val="0"/>
+                  </a:ext>
+                  <a:ext uri="{96DAC541-7B7A-43D3-8B79-37D633B846F1}">
+                    <asvg:svgBlip xmlns:asvg="http://schemas.microsoft.com/office/drawing/2016/SVG/main" r:embed="rId3"/>
+                  </a:ext>
+                </a:extLst>
+              </a:blip>
+              <a:stretch>
+                <a:fillRect/>
+              </a:stretch>
+            </p:blipFill>
+            <p:spPr>
+              <a:xfrm rot="20345197">
+                <a:off x="6807586" y="1469550"/>
+                <a:ext cx="742064" cy="742064"/>
+              </a:xfrm>
+              <a:prstGeom prst="rect">
+                <a:avLst/>
+              </a:prstGeom>
+            </p:spPr>
+          </p:pic>
+          <p:pic>
+            <p:nvPicPr>
+              <p:cNvPr id="14" name="Graphic 13" descr="Database with solid fill">
+                <a:extLst>
+                  <a:ext uri="{FF2B5EF4-FFF2-40B4-BE49-F238E27FC236}">
+                    <a16:creationId xmlns:a16="http://schemas.microsoft.com/office/drawing/2014/main" id="{5FB5C1FB-6F28-ABD8-A5C3-79A1912BAE81}"/>
+                  </a:ext>
+                </a:extLst>
+              </p:cNvPr>
+              <p:cNvPicPr>
+                <a:picLocks noChangeAspect="1"/>
+              </p:cNvPicPr>
+              <p:nvPr/>
+            </p:nvPicPr>
+            <p:blipFill>
+              <a:blip r:embed="rId4">
+                <a:extLst>
+                  <a:ext uri="{28A0092B-C50C-407E-A947-70E740481C1C}">
+                    <a14:useLocalDpi xmlns:a14="http://schemas.microsoft.com/office/drawing/2010/main" val="0"/>
+                  </a:ext>
+                  <a:ext uri="{96DAC541-7B7A-43D3-8B79-37D633B846F1}">
+                    <asvg:svgBlip xmlns:asvg="http://schemas.microsoft.com/office/drawing/2016/SVG/main" r:embed="rId5"/>
+                  </a:ext>
+                </a:extLst>
+              </a:blip>
+              <a:stretch>
+                <a:fillRect/>
+              </a:stretch>
+            </p:blipFill>
+            <p:spPr>
+              <a:xfrm>
+                <a:off x="5766428" y="1405038"/>
+                <a:ext cx="914400" cy="914400"/>
+              </a:xfrm>
+              <a:prstGeom prst="rect">
+                <a:avLst/>
+              </a:prstGeom>
+            </p:spPr>
+          </p:pic>
+          <p:pic>
+            <p:nvPicPr>
+              <p:cNvPr id="15" name="Graphic 14" descr="Gears with solid fill">
+                <a:extLst>
+                  <a:ext uri="{FF2B5EF4-FFF2-40B4-BE49-F238E27FC236}">
+                    <a16:creationId xmlns:a16="http://schemas.microsoft.com/office/drawing/2014/main" id="{1CE38F15-2FCC-BED7-4F05-542793E96C92}"/>
+                  </a:ext>
+                </a:extLst>
+              </p:cNvPr>
+              <p:cNvPicPr>
+                <a:picLocks noChangeAspect="1"/>
+              </p:cNvPicPr>
+              <p:nvPr/>
+            </p:nvPicPr>
+            <p:blipFill>
+              <a:blip r:embed="rId6">
+                <a:extLst>
+                  <a:ext uri="{28A0092B-C50C-407E-A947-70E740481C1C}">
+                    <a14:useLocalDpi xmlns:a14="http://schemas.microsoft.com/office/drawing/2010/main" val="0"/>
+                  </a:ext>
+                  <a:ext uri="{96DAC541-7B7A-43D3-8B79-37D633B846F1}">
+                    <asvg:svgBlip xmlns:asvg="http://schemas.microsoft.com/office/drawing/2016/SVG/main" r:embed="rId7"/>
+                  </a:ext>
+                </a:extLst>
+              </a:blip>
+              <a:stretch>
+                <a:fillRect/>
+              </a:stretch>
+            </p:blipFill>
+            <p:spPr>
+              <a:xfrm rot="19870603">
+                <a:off x="6285143" y="1390958"/>
+                <a:ext cx="907185" cy="907186"/>
+              </a:xfrm>
+              <a:prstGeom prst="rect">
+                <a:avLst/>
+              </a:prstGeom>
+            </p:spPr>
+          </p:pic>
+        </p:grpSp>
+        <p:sp>
+          <p:nvSpPr>
+            <p:cNvPr id="12" name="TextBox 11">
+              <a:extLst>
+                <a:ext uri="{FF2B5EF4-FFF2-40B4-BE49-F238E27FC236}">
+                  <a16:creationId xmlns:a16="http://schemas.microsoft.com/office/drawing/2014/main" id="{8BE73184-03D2-8A92-5F89-FF9A6B108CC3}"/>
+                </a:ext>
+              </a:extLst>
+            </p:cNvPr>
+            <p:cNvSpPr txBox="1"/>
+            <p:nvPr/>
+          </p:nvSpPr>
+          <p:spPr>
+            <a:xfrm>
+              <a:off x="5693136" y="1503640"/>
+              <a:ext cx="1729962" cy="655967"/>
+            </a:xfrm>
+            <a:prstGeom prst="rect">
+              <a:avLst/>
+            </a:prstGeom>
+            <a:noFill/>
+          </p:spPr>
+          <p:txBody>
+            <a:bodyPr wrap="square" rtlCol="0">
+              <a:spAutoFit/>
+            </a:bodyPr>
+            <a:lstStyle/>
+            <a:p>
+              <a:pPr algn="ctr"/>
+              <a:r>
+                <a:rPr lang="en-AU" sz="13800" dirty="0">
+                  <a:latin typeface="Jokerman" panose="020F0502020204030204" pitchFamily="34" charset="0"/>
+                  <a:cs typeface="Jokerman" panose="020F0502020204030204" pitchFamily="34" charset="0"/>
+                </a:rPr>
+                <a:t>MLDS</a:t>
+              </a:r>
+            </a:p>
+          </p:txBody>
+        </p:sp>
+      </p:grpSp>
+    </p:spTree>
+    <p:extLst>
+      <p:ext uri="{BB962C8B-B14F-4D97-AF65-F5344CB8AC3E}">
+        <p14:creationId xmlns:p14="http://schemas.microsoft.com/office/powerpoint/2010/main" val="806372943"/>
+      </p:ext>
+    </p:extLst>
+  </p:cSld>
+  <p:clrMapOvr>
+    <a:masterClrMapping/>
+  </p:clrMapOvr>
+</p:sld>
+</file>
+
+<file path=ppt/slides/slide4.xml><?xml version="1.0" encoding="utf-8"?>
+<p:sld xmlns:a="http://schemas.openxmlformats.org/drawingml/2006/main" xmlns:r="http://schemas.openxmlformats.org/officeDocument/2006/relationships" xmlns:p="http://schemas.openxmlformats.org/presentationml/2006/main">
+  <p:cSld>
+    <p:bg>
+      <p:bgPr>
+        <a:solidFill>
           <a:schemeClr val="tx1"/>
         </a:solidFill>
         <a:effectLst/>
@@ -4678,24 +4915,6 @@
 </file>
 
 <file path=customXml/item1.xml><?xml version="1.0" encoding="utf-8"?>
-<p:properties xmlns:p="http://schemas.microsoft.com/office/2006/metadata/properties" xmlns:xsi="http://www.w3.org/2001/XMLSchema-instance" xmlns:pc="http://schemas.microsoft.com/office/infopath/2007/PartnerControls">
-  <documentManagement>
-    <_ip_UnifiedCompliancePolicyUIAction xmlns="http://schemas.microsoft.com/sharepoint/v3" xsi:nil="true"/>
-    <_ip_UnifiedCompliancePolicyProperties xmlns="http://schemas.microsoft.com/sharepoint/v3" xsi:nil="true"/>
-  </documentManagement>
-</p:properties>
-</file>
-
-<file path=customXml/item2.xml><?xml version="1.0" encoding="utf-8"?>
-<?mso-contentType ?>
-<FormTemplates xmlns="http://schemas.microsoft.com/sharepoint/v3/contenttype/forms">
-  <Display>DocumentLibraryForm</Display>
-  <Edit>DocumentLibraryForm</Edit>
-  <New>DocumentLibraryForm</New>
-</FormTemplates>
-</file>
-
-<file path=customXml/item3.xml><?xml version="1.0" encoding="utf-8"?>
 <ct:contentTypeSchema xmlns:ct="http://schemas.microsoft.com/office/2006/metadata/contentType" xmlns:ma="http://schemas.microsoft.com/office/2006/metadata/properties/metaAttributes" ct:_="" ma:_="" ma:contentTypeName="Document" ma:contentTypeID="0x010100C710D5EE9D4937499D77E0677A176012" ma:contentTypeVersion="15" ma:contentTypeDescription="Create a new document." ma:contentTypeScope="" ma:versionID="a82d1c3b85b0017628f1d3364c58e3e9">
   <xsd:schema xmlns:xsd="http://www.w3.org/2001/XMLSchema" xmlns:xs="http://www.w3.org/2001/XMLSchema" xmlns:p="http://schemas.microsoft.com/office/2006/metadata/properties" xmlns:ns1="http://schemas.microsoft.com/sharepoint/v3" xmlns:ns3="ed738e74-2c2f-4ca9-8a81-279ca9fe211f" xmlns:ns4="1c0f6ec8-bb26-451e-97d1-41f62a98d49c" targetNamespace="http://schemas.microsoft.com/office/2006/metadata/properties" ma:root="true" ma:fieldsID="e13401b27a48e1eb394472a79e2d5902" ns1:_="" ns3:_="" ns4:_="">
     <xsd:import namespace="http://schemas.microsoft.com/sharepoint/v3"/>
@@ -4935,33 +5154,25 @@
 </ct:contentTypeSchema>
 </file>
 
-<file path=customXml/itemProps1.xml><?xml version="1.0" encoding="utf-8"?>
-<ds:datastoreItem xmlns:ds="http://schemas.openxmlformats.org/officeDocument/2006/customXml" ds:itemID="{FA4D7A67-9635-4070-B19F-FBA5154D856F}">
-  <ds:schemaRefs>
-    <ds:schemaRef ds:uri="http://www.w3.org/XML/1998/namespace"/>
-    <ds:schemaRef ds:uri="http://schemas.microsoft.com/office/2006/documentManagement/types"/>
-    <ds:schemaRef ds:uri="http://schemas.microsoft.com/office/2006/metadata/properties"/>
-    <ds:schemaRef ds:uri="ed738e74-2c2f-4ca9-8a81-279ca9fe211f"/>
-    <ds:schemaRef ds:uri="http://purl.org/dc/dcmitype/"/>
-    <ds:schemaRef ds:uri="http://purl.org/dc/terms/"/>
-    <ds:schemaRef ds:uri="http://schemas.microsoft.com/office/infopath/2007/PartnerControls"/>
-    <ds:schemaRef ds:uri="http://schemas.openxmlformats.org/package/2006/metadata/core-properties"/>
-    <ds:schemaRef ds:uri="1c0f6ec8-bb26-451e-97d1-41f62a98d49c"/>
-    <ds:schemaRef ds:uri="http://schemas.microsoft.com/sharepoint/v3"/>
-    <ds:schemaRef ds:uri="http://purl.org/dc/elements/1.1/"/>
-  </ds:schemaRefs>
-</ds:datastoreItem>
+<file path=customXml/item2.xml><?xml version="1.0" encoding="utf-8"?>
+<?mso-contentType ?>
+<FormTemplates xmlns="http://schemas.microsoft.com/sharepoint/v3/contenttype/forms">
+  <Display>DocumentLibraryForm</Display>
+  <Edit>DocumentLibraryForm</Edit>
+  <New>DocumentLibraryForm</New>
+</FormTemplates>
 </file>
 
-<file path=customXml/itemProps2.xml><?xml version="1.0" encoding="utf-8"?>
-<ds:datastoreItem xmlns:ds="http://schemas.openxmlformats.org/officeDocument/2006/customXml" ds:itemID="{B51DE951-D55E-4A58-B050-38F3BA9E3608}">
-  <ds:schemaRefs>
-    <ds:schemaRef ds:uri="http://schemas.microsoft.com/sharepoint/v3/contenttype/forms"/>
-  </ds:schemaRefs>
-</ds:datastoreItem>
+<file path=customXml/item3.xml><?xml version="1.0" encoding="utf-8"?>
+<p:properties xmlns:p="http://schemas.microsoft.com/office/2006/metadata/properties" xmlns:xsi="http://www.w3.org/2001/XMLSchema-instance" xmlns:pc="http://schemas.microsoft.com/office/infopath/2007/PartnerControls">
+  <documentManagement>
+    <_ip_UnifiedCompliancePolicyUIAction xmlns="http://schemas.microsoft.com/sharepoint/v3" xsi:nil="true"/>
+    <_ip_UnifiedCompliancePolicyProperties xmlns="http://schemas.microsoft.com/sharepoint/v3" xsi:nil="true"/>
+  </documentManagement>
+</p:properties>
 </file>
 
-<file path=customXml/itemProps3.xml><?xml version="1.0" encoding="utf-8"?>
+<file path=customXml/itemProps1.xml><?xml version="1.0" encoding="utf-8"?>
 <ds:datastoreItem xmlns:ds="http://schemas.openxmlformats.org/officeDocument/2006/customXml" ds:itemID="{FAF2508A-3CB9-4351-B672-F868FD136865}">
   <ds:schemaRefs>
     <ds:schemaRef ds:uri="http://schemas.microsoft.com/office/2006/metadata/contentType"/>
@@ -4979,4 +5190,30 @@
     <ds:schemaRef ds:uri="http://schemas.microsoft.com/internal/obd"/>
   </ds:schemaRefs>
 </ds:datastoreItem>
+</file>
+
+<file path=customXml/itemProps2.xml><?xml version="1.0" encoding="utf-8"?>
+<ds:datastoreItem xmlns:ds="http://schemas.openxmlformats.org/officeDocument/2006/customXml" ds:itemID="{B51DE951-D55E-4A58-B050-38F3BA9E3608}">
+  <ds:schemaRefs>
+    <ds:schemaRef ds:uri="http://schemas.microsoft.com/sharepoint/v3/contenttype/forms"/>
+  </ds:schemaRefs>
+</ds:datastoreItem>
+</file>
+
+<file path=customXml/itemProps3.xml><?xml version="1.0" encoding="utf-8"?>
+<ds:datastoreItem xmlns:ds="http://schemas.openxmlformats.org/officeDocument/2006/customXml" ds:itemID="{FA4D7A67-9635-4070-B19F-FBA5154D856F}">
+  <ds:schemaRefs>
+    <ds:schemaRef ds:uri="http://www.w3.org/XML/1998/namespace"/>
+    <ds:schemaRef ds:uri="http://schemas.microsoft.com/office/2006/documentManagement/types"/>
+    <ds:schemaRef ds:uri="http://schemas.microsoft.com/office/2006/metadata/properties"/>
+    <ds:schemaRef ds:uri="ed738e74-2c2f-4ca9-8a81-279ca9fe211f"/>
+    <ds:schemaRef ds:uri="http://purl.org/dc/dcmitype/"/>
+    <ds:schemaRef ds:uri="http://purl.org/dc/terms/"/>
+    <ds:schemaRef ds:uri="http://schemas.microsoft.com/office/infopath/2007/PartnerControls"/>
+    <ds:schemaRef ds:uri="http://schemas.openxmlformats.org/package/2006/metadata/core-properties"/>
+    <ds:schemaRef ds:uri="1c0f6ec8-bb26-451e-97d1-41f62a98d49c"/>
+    <ds:schemaRef ds:uri="http://schemas.microsoft.com/sharepoint/v3"/>
+    <ds:schemaRef ds:uri="http://purl.org/dc/elements/1.1/"/>
+  </ds:schemaRefs>
+</ds:datastoreItem>
 </file>